--- a/発表用スライド_中間発表.pptx
+++ b/発表用スライド_中間発表.pptx
@@ -8872,7 +8872,7 @@
               <a:t>矢﨑研究室</a:t>
             </a:r>
             <a:r>
-              <a:rPr lang="en-US" altLang="ja-JP">
+              <a:rPr lang="en-US" altLang="ja-JP" dirty="0">
                 <a:latin typeface="Meiryo" panose="020B0604030504040204" pitchFamily="34" charset="-128"/>
                 <a:ea typeface="Meiryo" panose="020B0604030504040204" pitchFamily="34" charset="-128"/>
               </a:rPr>
